--- a/Stochastic-Block-Models-with-Multiple-Continuous-Attributes.pptx
+++ b/Stochastic-Block-Models-with-Multiple-Continuous-Attributes.pptx
@@ -2383,7 +2383,7 @@
           </a:ln>
           <a:extLst>
             <a:ext uri="{C572A759-6A51-4108-AA02-DFA0A04FC94B}">
-              <ma14:wrappingTextBoxFlag xmlns="" xmlns:ma14="http://schemas.microsoft.com/office/mac/drawingml/2011/main" val="1"/>
+              <ma14:wrappingTextBoxFlag xmlns:ma14="http://schemas.microsoft.com/office/mac/drawingml/2011/main" xmlns="" val="1"/>
             </a:ext>
           </a:extLst>
         </p:spPr>
@@ -2422,7 +2422,7 @@
           </a:ln>
           <a:extLst>
             <a:ext uri="{C572A759-6A51-4108-AA02-DFA0A04FC94B}">
-              <ma14:wrappingTextBoxFlag xmlns="" xmlns:ma14="http://schemas.microsoft.com/office/mac/drawingml/2011/main" val="1"/>
+              <ma14:wrappingTextBoxFlag xmlns:ma14="http://schemas.microsoft.com/office/mac/drawingml/2011/main" xmlns="" val="1"/>
             </a:ext>
           </a:extLst>
         </p:spPr>
@@ -3360,39 +3360,27 @@
               <a:defRPr sz="2728"/>
             </a:pPr>
             <a:r>
-              <a:rPr sz="2232" dirty="0" err="1" smtClean="0"/>
+              <a:rPr sz="2232" dirty="0" err="1"/>
               <a:t>論文のタイトル</a:t>
             </a:r>
             <a:r>
               <a:rPr lang="en-US" sz="2232" dirty="0"/>
-              <a:t> </a:t>
-            </a:r>
-            <a:r>
-              <a:rPr lang="en-US" sz="2232" dirty="0" smtClean="0"/>
-              <a:t>: </a:t>
-            </a:r>
-            <a:r>
-              <a:rPr lang="en-US" sz="2000" dirty="0" smtClean="0"/>
+              <a:t> : </a:t>
+            </a:r>
+            <a:r>
+              <a:rPr lang="en-US" sz="2000" dirty="0"/>
               <a:t>Stochastic Block Models with Multiple Continuous Attributes</a:t>
             </a:r>
-            <a:r>
-              <a:rPr lang="en-US" sz="2232" dirty="0" smtClean="0"/>
-              <a:t/>
-            </a:r>
             <a:br>
-              <a:rPr lang="en-US" sz="2232" dirty="0" smtClean="0"/>
+              <a:rPr lang="en-US" sz="2232" dirty="0"/>
             </a:br>
             <a:r>
-              <a:rPr sz="1736" dirty="0" err="1" smtClean="0"/>
+              <a:rPr sz="1736" dirty="0" err="1"/>
               <a:t>著者名</a:t>
             </a:r>
             <a:r>
-              <a:rPr lang="en-US" sz="1736" dirty="0" smtClean="0"/>
+              <a:rPr lang="en-US" sz="1736" dirty="0"/>
               <a:t> : Natalie Stanley et al.</a:t>
-            </a:r>
-            <a:r>
-              <a:rPr sz="1736" dirty="0"/>
-              <a:t/>
             </a:r>
             <a:br>
               <a:rPr sz="1736" dirty="0"/>
@@ -3406,7 +3394,7 @@
               <a:t> </a:t>
             </a:r>
             <a:r>
-              <a:rPr lang="en-US" sz="1736" dirty="0" smtClean="0"/>
+              <a:rPr lang="en-US" sz="1736" dirty="0"/>
               <a:t>: </a:t>
             </a:r>
             <a:endParaRPr sz="1736" dirty="0"/>
@@ -3523,7 +3511,7 @@
           </a:ln>
           <a:extLst>
             <a:ext uri="{C572A759-6A51-4108-AA02-DFA0A04FC94B}">
-              <ma14:wrappingTextBoxFlag xmlns="" xmlns:ma14="http://schemas.microsoft.com/office/mac/drawingml/2011/main" val="1"/>
+              <ma14:wrappingTextBoxFlag xmlns:ma14="http://schemas.microsoft.com/office/mac/drawingml/2011/main" xmlns="" val="1"/>
             </a:ext>
           </a:extLst>
         </p:spPr>
@@ -3580,7 +3568,7 @@
           </a:ln>
           <a:extLst>
             <a:ext uri="{C572A759-6A51-4108-AA02-DFA0A04FC94B}">
-              <ma14:wrappingTextBoxFlag xmlns="" xmlns:ma14="http://schemas.microsoft.com/office/mac/drawingml/2011/main" val="1"/>
+              <ma14:wrappingTextBoxFlag xmlns:ma14="http://schemas.microsoft.com/office/mac/drawingml/2011/main" xmlns="" val="1"/>
             </a:ext>
           </a:extLst>
         </p:spPr>
@@ -3637,7 +3625,7 @@
           </a:ln>
           <a:extLst>
             <a:ext uri="{C572A759-6A51-4108-AA02-DFA0A04FC94B}">
-              <ma14:wrappingTextBoxFlag xmlns="" xmlns:ma14="http://schemas.microsoft.com/office/mac/drawingml/2011/main" val="1"/>
+              <ma14:wrappingTextBoxFlag xmlns:ma14="http://schemas.microsoft.com/office/mac/drawingml/2011/main" xmlns="" val="1"/>
             </a:ext>
           </a:extLst>
         </p:spPr>
@@ -3694,7 +3682,7 @@
           </a:ln>
           <a:extLst>
             <a:ext uri="{C572A759-6A51-4108-AA02-DFA0A04FC94B}">
-              <ma14:wrappingTextBoxFlag xmlns="" xmlns:ma14="http://schemas.microsoft.com/office/mac/drawingml/2011/main" val="1"/>
+              <ma14:wrappingTextBoxFlag xmlns:ma14="http://schemas.microsoft.com/office/mac/drawingml/2011/main" xmlns="" val="1"/>
             </a:ext>
           </a:extLst>
         </p:spPr>
@@ -3751,7 +3739,7 @@
           </a:ln>
           <a:extLst>
             <a:ext uri="{C572A759-6A51-4108-AA02-DFA0A04FC94B}">
-              <ma14:wrappingTextBoxFlag xmlns="" xmlns:ma14="http://schemas.microsoft.com/office/mac/drawingml/2011/main" val="1"/>
+              <ma14:wrappingTextBoxFlag xmlns:ma14="http://schemas.microsoft.com/office/mac/drawingml/2011/main" xmlns="" val="1"/>
             </a:ext>
           </a:extLst>
         </p:spPr>
@@ -4020,7 +4008,7 @@
           </a:ln>
           <a:extLst>
             <a:ext uri="{C572A759-6A51-4108-AA02-DFA0A04FC94B}">
-              <ma14:wrappingTextBoxFlag xmlns="" xmlns:ma14="http://schemas.microsoft.com/office/mac/drawingml/2011/main" val="1"/>
+              <ma14:wrappingTextBoxFlag xmlns:ma14="http://schemas.microsoft.com/office/mac/drawingml/2011/main" xmlns="" val="1"/>
             </a:ext>
           </a:extLst>
         </p:spPr>
@@ -4056,7 +4044,7 @@
           </a:ln>
           <a:extLst>
             <a:ext uri="{C572A759-6A51-4108-AA02-DFA0A04FC94B}">
-              <ma14:wrappingTextBoxFlag xmlns="" xmlns:ma14="http://schemas.microsoft.com/office/mac/drawingml/2011/main" val="1"/>
+              <ma14:wrappingTextBoxFlag xmlns:ma14="http://schemas.microsoft.com/office/mac/drawingml/2011/main" xmlns="" val="1"/>
             </a:ext>
           </a:extLst>
         </p:spPr>
@@ -4089,7 +4077,7 @@
           </a:ln>
           <a:extLst>
             <a:ext uri="{C572A759-6A51-4108-AA02-DFA0A04FC94B}">
-              <ma14:wrappingTextBoxFlag xmlns="" xmlns:ma14="http://schemas.microsoft.com/office/mac/drawingml/2011/main" val="1"/>
+              <ma14:wrappingTextBoxFlag xmlns:ma14="http://schemas.microsoft.com/office/mac/drawingml/2011/main" xmlns="" val="1"/>
             </a:ext>
           </a:extLst>
         </p:spPr>
@@ -4125,7 +4113,7 @@
           </a:ln>
           <a:extLst>
             <a:ext uri="{C572A759-6A51-4108-AA02-DFA0A04FC94B}">
-              <ma14:wrappingTextBoxFlag xmlns="" xmlns:ma14="http://schemas.microsoft.com/office/mac/drawingml/2011/main" val="1"/>
+              <ma14:wrappingTextBoxFlag xmlns:ma14="http://schemas.microsoft.com/office/mac/drawingml/2011/main" xmlns="" val="1"/>
             </a:ext>
           </a:extLst>
         </p:spPr>
@@ -4161,7 +4149,7 @@
           </a:ln>
           <a:extLst>
             <a:ext uri="{C572A759-6A51-4108-AA02-DFA0A04FC94B}">
-              <ma14:wrappingTextBoxFlag xmlns="" xmlns:ma14="http://schemas.microsoft.com/office/mac/drawingml/2011/main" val="1"/>
+              <ma14:wrappingTextBoxFlag xmlns:ma14="http://schemas.microsoft.com/office/mac/drawingml/2011/main" xmlns="" val="1"/>
             </a:ext>
           </a:extLst>
         </p:spPr>
@@ -4197,7 +4185,7 @@
           </a:ln>
           <a:extLst>
             <a:ext uri="{C572A759-6A51-4108-AA02-DFA0A04FC94B}">
-              <ma14:wrappingTextBoxFlag xmlns="" xmlns:ma14="http://schemas.microsoft.com/office/mac/drawingml/2011/main" val="1"/>
+              <ma14:wrappingTextBoxFlag xmlns:ma14="http://schemas.microsoft.com/office/mac/drawingml/2011/main" xmlns="" val="1"/>
             </a:ext>
           </a:extLst>
         </p:spPr>
@@ -4280,18 +4268,14 @@
               <a:tabLst/>
             </a:pPr>
             <a:r>
-              <a:rPr lang="ja-JP" altLang="en-US" dirty="0" smtClean="0"/>
+              <a:rPr lang="ja-JP" altLang="en-US" dirty="0"/>
               <a:t>複数の連続した属性をもつベクトル、</a:t>
             </a:r>
-            <a:r>
-              <a:rPr lang="en-US" altLang="ja-JP" dirty="0" smtClean="0"/>
-              <a:t/>
-            </a:r>
             <a:br>
-              <a:rPr lang="en-US" altLang="ja-JP" dirty="0" smtClean="0"/>
+              <a:rPr lang="en-US" altLang="ja-JP" dirty="0"/>
             </a:br>
             <a:r>
-              <a:rPr lang="ja-JP" altLang="en-US" dirty="0" smtClean="0"/>
+              <a:rPr lang="ja-JP" altLang="en-US" dirty="0"/>
               <a:t>ノードを扱えるようにする</a:t>
             </a:r>
             <a:endParaRPr kumimoji="0" lang="ja-JP" altLang="en-US" sz="1800" b="0" i="0" u="none" strike="noStrike" cap="none" spc="0" normalizeH="0" baseline="0" dirty="0">
@@ -4368,25 +4352,327 @@
               <a:tabLst/>
             </a:pPr>
             <a:r>
-              <a:rPr lang="ja-JP" altLang="en-US" dirty="0" smtClean="0"/>
+              <a:rPr lang="ja-JP" altLang="en-US" dirty="0"/>
               <a:t>複数の連続した属性をもつベクトルを</a:t>
             </a:r>
-            <a:r>
-              <a:rPr lang="en-US" altLang="ja-JP" dirty="0" smtClean="0"/>
-              <a:t/>
-            </a:r>
             <a:br>
-              <a:rPr lang="en-US" altLang="ja-JP" dirty="0" smtClean="0"/>
+              <a:rPr lang="en-US" altLang="ja-JP" dirty="0"/>
             </a:br>
             <a:r>
-              <a:rPr lang="ja-JP" altLang="en-US" dirty="0" smtClean="0"/>
+              <a:rPr lang="ja-JP" altLang="en-US" dirty="0"/>
               <a:t>扱うことができる最初の拡張された</a:t>
             </a:r>
             <a:r>
-              <a:rPr lang="en-US" altLang="ja-JP" dirty="0" smtClean="0"/>
+              <a:rPr lang="en-US" altLang="ja-JP" dirty="0"/>
               <a:t>SBM</a:t>
             </a:r>
             <a:endParaRPr kumimoji="0" lang="ja-JP" altLang="en-US" sz="1800" b="0" i="0" u="none" strike="noStrike" cap="none" spc="0" normalizeH="0" baseline="0" dirty="0">
+              <a:ln>
+                <a:noFill/>
+              </a:ln>
+              <a:solidFill>
+                <a:srgbClr val="000000"/>
+              </a:solidFill>
+              <a:effectLst/>
+              <a:uFillTx/>
+              <a:latin typeface="Calibri"/>
+              <a:ea typeface="Calibri"/>
+              <a:cs typeface="Calibri"/>
+              <a:sym typeface="Calibri"/>
+            </a:endParaRPr>
+          </a:p>
+        </p:txBody>
+      </p:sp>
+      <p:sp>
+        <p:nvSpPr>
+          <p:cNvPr id="26" name="テキスト ボックス 25">
+            <a:extLst>
+              <a:ext uri="{FF2B5EF4-FFF2-40B4-BE49-F238E27FC236}">
+                <a16:creationId xmlns:a16="http://schemas.microsoft.com/office/drawing/2014/main" id="{16C6A358-CF95-9047-9E5A-B57549F1A6AE}"/>
+              </a:ext>
+            </a:extLst>
+          </p:cNvPr>
+          <p:cNvSpPr txBox="1"/>
+          <p:nvPr/>
+        </p:nvSpPr>
+        <p:spPr>
+          <a:xfrm>
+            <a:off x="1272734" y="5689213"/>
+            <a:ext cx="4325862" cy="646329"/>
+          </a:xfrm>
+          <a:prstGeom prst="rect">
+            <a:avLst/>
+          </a:prstGeom>
+          <a:noFill/>
+          <a:ln w="12700" cap="flat">
+            <a:noFill/>
+            <a:miter lim="400000"/>
+          </a:ln>
+          <a:effectLst/>
+          <a:sp3d/>
+        </p:spPr>
+        <p:style>
+          <a:lnRef idx="0">
+            <a:scrgbClr r="0" g="0" b="0"/>
+          </a:lnRef>
+          <a:fillRef idx="0">
+            <a:scrgbClr r="0" g="0" b="0"/>
+          </a:fillRef>
+          <a:effectRef idx="0">
+            <a:scrgbClr r="0" g="0" b="0"/>
+          </a:effectRef>
+          <a:fontRef idx="none"/>
+        </p:style>
+        <p:txBody>
+          <a:bodyPr rot="0" spcFirstLastPara="1" vertOverflow="overflow" horzOverflow="overflow" vert="horz" wrap="none" lIns="45719" tIns="45719" rIns="45719" bIns="45719" numCol="1" spcCol="38100" rtlCol="0" anchor="t">
+            <a:spAutoFit/>
+          </a:bodyPr>
+          <a:lstStyle/>
+          <a:p>
+            <a:pPr marL="0" marR="0" indent="0" algn="l" defTabSz="914400" rtl="0" fontAlgn="auto" latinLnBrk="0" hangingPunct="0">
+              <a:lnSpc>
+                <a:spcPct val="100000"/>
+              </a:lnSpc>
+              <a:spcBef>
+                <a:spcPts val="0"/>
+              </a:spcBef>
+              <a:spcAft>
+                <a:spcPts val="0"/>
+              </a:spcAft>
+              <a:buClrTx/>
+              <a:buSzTx/>
+              <a:buFontTx/>
+              <a:buNone/>
+              <a:tabLst/>
+            </a:pPr>
+            <a:r>
+              <a:rPr kumimoji="0" lang="ja-JP" altLang="en-US" sz="1800" b="0" i="0" u="none" strike="noStrike" cap="none" spc="0" normalizeH="0" baseline="0">
+                <a:ln>
+                  <a:noFill/>
+                </a:ln>
+                <a:solidFill>
+                  <a:srgbClr val="000000"/>
+                </a:solidFill>
+                <a:effectLst/>
+                <a:uFillTx/>
+                <a:latin typeface="Calibri"/>
+                <a:ea typeface="Calibri"/>
+                <a:cs typeface="Calibri"/>
+                <a:sym typeface="Calibri"/>
+              </a:rPr>
+              <a:t>モデル推論のために変分</a:t>
+            </a:r>
+            <a:r>
+              <a:rPr kumimoji="0" lang="en-US" altLang="ja-JP" sz="1800" b="0" i="0" u="none" strike="noStrike" cap="none" spc="0" normalizeH="0" baseline="0" dirty="0">
+                <a:ln>
+                  <a:noFill/>
+                </a:ln>
+                <a:solidFill>
+                  <a:srgbClr val="000000"/>
+                </a:solidFill>
+                <a:effectLst/>
+                <a:uFillTx/>
+                <a:latin typeface="Calibri"/>
+                <a:ea typeface="Calibri"/>
+                <a:cs typeface="Calibri"/>
+                <a:sym typeface="Calibri"/>
+              </a:rPr>
+              <a:t>EM</a:t>
+            </a:r>
+            <a:r>
+              <a:rPr kumimoji="0" lang="ja-JP" altLang="en-US" sz="1800" b="0" i="0" u="none" strike="noStrike" cap="none" spc="0" normalizeH="0" baseline="0">
+                <a:ln>
+                  <a:noFill/>
+                </a:ln>
+                <a:solidFill>
+                  <a:srgbClr val="000000"/>
+                </a:solidFill>
+                <a:effectLst/>
+                <a:uFillTx/>
+                <a:latin typeface="Calibri"/>
+                <a:ea typeface="Calibri"/>
+                <a:cs typeface="Calibri"/>
+                <a:sym typeface="Calibri"/>
+              </a:rPr>
+              <a:t>アルゴリズム</a:t>
+            </a:r>
+            <a:endParaRPr kumimoji="0" lang="en-US" altLang="ja-JP" sz="1800" b="0" i="0" u="none" strike="noStrike" cap="none" spc="0" normalizeH="0" baseline="0" dirty="0">
+              <a:ln>
+                <a:noFill/>
+              </a:ln>
+              <a:solidFill>
+                <a:srgbClr val="000000"/>
+              </a:solidFill>
+              <a:effectLst/>
+              <a:uFillTx/>
+              <a:latin typeface="Calibri"/>
+              <a:ea typeface="Calibri"/>
+              <a:cs typeface="Calibri"/>
+              <a:sym typeface="Calibri"/>
+            </a:endParaRPr>
+          </a:p>
+          <a:p>
+            <a:pPr marL="0" marR="0" indent="0" algn="l" defTabSz="914400" rtl="0" fontAlgn="auto" latinLnBrk="0" hangingPunct="0">
+              <a:lnSpc>
+                <a:spcPct val="100000"/>
+              </a:lnSpc>
+              <a:spcBef>
+                <a:spcPts val="0"/>
+              </a:spcBef>
+              <a:spcAft>
+                <a:spcPts val="0"/>
+              </a:spcAft>
+              <a:buClrTx/>
+              <a:buSzTx/>
+              <a:buFontTx/>
+              <a:buNone/>
+              <a:tabLst/>
+            </a:pPr>
+            <a:r>
+              <a:rPr lang="ja-JP" altLang="en-US"/>
+              <a:t>モデル選択には</a:t>
+            </a:r>
+            <a:r>
+              <a:rPr lang="en-US" altLang="ja-JP" dirty="0"/>
+              <a:t>ICL</a:t>
+            </a:r>
+            <a:r>
+              <a:rPr lang="ja-JP" altLang="en-US"/>
+              <a:t>基準を使った</a:t>
+            </a:r>
+            <a:endParaRPr kumimoji="0" lang="ja-JP" altLang="en-US" sz="1800" b="0" i="0" u="none" strike="noStrike" cap="none" spc="0" normalizeH="0" baseline="0" dirty="0">
+              <a:ln>
+                <a:noFill/>
+              </a:ln>
+              <a:solidFill>
+                <a:srgbClr val="000000"/>
+              </a:solidFill>
+              <a:effectLst/>
+              <a:uFillTx/>
+              <a:latin typeface="Calibri"/>
+              <a:ea typeface="Calibri"/>
+              <a:cs typeface="Calibri"/>
+              <a:sym typeface="Calibri"/>
+            </a:endParaRPr>
+          </a:p>
+        </p:txBody>
+      </p:sp>
+      <p:sp>
+        <p:nvSpPr>
+          <p:cNvPr id="28" name="テキスト ボックス 27">
+            <a:extLst>
+              <a:ext uri="{FF2B5EF4-FFF2-40B4-BE49-F238E27FC236}">
+                <a16:creationId xmlns:a16="http://schemas.microsoft.com/office/drawing/2014/main" id="{770F669A-82AD-4A45-9387-FD212585A031}"/>
+              </a:ext>
+            </a:extLst>
+          </p:cNvPr>
+          <p:cNvSpPr txBox="1"/>
+          <p:nvPr/>
+        </p:nvSpPr>
+        <p:spPr>
+          <a:xfrm>
+            <a:off x="6612059" y="4292845"/>
+            <a:ext cx="4580739" cy="523218"/>
+          </a:xfrm>
+          <a:prstGeom prst="rect">
+            <a:avLst/>
+          </a:prstGeom>
+          <a:noFill/>
+          <a:ln w="12700" cap="flat">
+            <a:noFill/>
+            <a:miter lim="400000"/>
+          </a:ln>
+          <a:effectLst/>
+          <a:sp3d/>
+        </p:spPr>
+        <p:style>
+          <a:lnRef idx="0">
+            <a:scrgbClr r="0" g="0" b="0"/>
+          </a:lnRef>
+          <a:fillRef idx="0">
+            <a:scrgbClr r="0" g="0" b="0"/>
+          </a:fillRef>
+          <a:effectRef idx="0">
+            <a:scrgbClr r="0" g="0" b="0"/>
+          </a:effectRef>
+          <a:fontRef idx="none"/>
+        </p:style>
+        <p:txBody>
+          <a:bodyPr rot="0" spcFirstLastPara="1" vertOverflow="overflow" horzOverflow="overflow" vert="horz" wrap="none" lIns="45719" tIns="45719" rIns="45719" bIns="45719" numCol="1" spcCol="38100" rtlCol="0" anchor="t">
+            <a:spAutoFit/>
+          </a:bodyPr>
+          <a:lstStyle/>
+          <a:p>
+            <a:pPr marL="0" marR="0" indent="0" algn="l" defTabSz="914400" rtl="0" fontAlgn="auto" latinLnBrk="0" hangingPunct="0">
+              <a:lnSpc>
+                <a:spcPct val="100000"/>
+              </a:lnSpc>
+              <a:spcBef>
+                <a:spcPts val="0"/>
+              </a:spcBef>
+              <a:spcAft>
+                <a:spcPts val="0"/>
+              </a:spcAft>
+              <a:buClrTx/>
+              <a:buSzTx/>
+              <a:buFontTx/>
+              <a:buNone/>
+              <a:tabLst/>
+            </a:pPr>
+            <a:r>
+              <a:rPr kumimoji="0" lang="ja-JP" altLang="en-US" sz="1400" b="0" i="0" u="none" strike="noStrike" cap="none" spc="0" normalizeH="0" baseline="0">
+                <a:ln>
+                  <a:noFill/>
+                </a:ln>
+                <a:solidFill>
+                  <a:srgbClr val="000000"/>
+                </a:solidFill>
+                <a:effectLst/>
+                <a:uFillTx/>
+                <a:latin typeface="Calibri"/>
+                <a:ea typeface="Calibri"/>
+                <a:cs typeface="Calibri"/>
+                <a:sym typeface="Calibri"/>
+              </a:rPr>
+              <a:t>動的ネットワークへの拡張をしていきたい</a:t>
+            </a:r>
+            <a:endParaRPr kumimoji="0" lang="en-US" altLang="ja-JP" sz="1400" b="0" i="0" u="none" strike="noStrike" cap="none" spc="0" normalizeH="0" baseline="0" dirty="0">
+              <a:ln>
+                <a:noFill/>
+              </a:ln>
+              <a:solidFill>
+                <a:srgbClr val="000000"/>
+              </a:solidFill>
+              <a:effectLst/>
+              <a:uFillTx/>
+              <a:latin typeface="Calibri"/>
+              <a:ea typeface="Calibri"/>
+              <a:cs typeface="Calibri"/>
+              <a:sym typeface="Calibri"/>
+            </a:endParaRPr>
+          </a:p>
+          <a:p>
+            <a:pPr marL="0" marR="0" indent="0" algn="l" defTabSz="914400" rtl="0" fontAlgn="auto" latinLnBrk="0" hangingPunct="0">
+              <a:lnSpc>
+                <a:spcPct val="100000"/>
+              </a:lnSpc>
+              <a:spcBef>
+                <a:spcPts val="0"/>
+              </a:spcBef>
+              <a:spcAft>
+                <a:spcPts val="0"/>
+              </a:spcAft>
+              <a:buClrTx/>
+              <a:buSzTx/>
+              <a:buFontTx/>
+              <a:buNone/>
+              <a:tabLst/>
+            </a:pPr>
+            <a:r>
+              <a:rPr lang="ja-JP" altLang="en-US" sz="1400"/>
+              <a:t>例えば、トピックの割合に対する状態空間モデルを追加</a:t>
+            </a:r>
+            <a:endParaRPr kumimoji="0" lang="ja-JP" altLang="en-US" sz="1400" b="0" i="0" u="none" strike="noStrike" cap="none" spc="0" normalizeH="0" baseline="0" dirty="0">
               <a:ln>
                 <a:noFill/>
               </a:ln>
